--- a/Presentations/Mean, Mode, Median.pptx
+++ b/Presentations/Mean, Mode, Median.pptx
@@ -291,7 +291,8 @@
           <a:p>
             <a:fld id="{EA9B4A94-C575-4826-8F09-4EE7E61740AA}" type="datetimeFigureOut">
               <a:rPr lang="en-US" smtClean="0"/>
-              <a:t>9/26/2019</a:t>
+              <a:pPr/>
+              <a:t>9/27/2019</a:t>
             </a:fld>
             <a:endParaRPr lang="en-US"/>
           </a:p>
@@ -333,6 +334,7 @@
           <a:p>
             <a:fld id="{95F062B8-84EB-44FB-890F-8DC151F95B1E}" type="slidenum">
               <a:rPr lang="en-US" smtClean="0"/>
+              <a:pPr/>
               <a:t>‹#›</a:t>
             </a:fld>
             <a:endParaRPr lang="en-US"/>
@@ -456,7 +458,8 @@
           <a:p>
             <a:fld id="{EA9B4A94-C575-4826-8F09-4EE7E61740AA}" type="datetimeFigureOut">
               <a:rPr lang="en-US" smtClean="0"/>
-              <a:t>9/26/2019</a:t>
+              <a:pPr/>
+              <a:t>9/27/2019</a:t>
             </a:fld>
             <a:endParaRPr lang="en-US"/>
           </a:p>
@@ -498,6 +501,7 @@
           <a:p>
             <a:fld id="{95F062B8-84EB-44FB-890F-8DC151F95B1E}" type="slidenum">
               <a:rPr lang="en-US" smtClean="0"/>
+              <a:pPr/>
               <a:t>‹#›</a:t>
             </a:fld>
             <a:endParaRPr lang="en-US"/>
@@ -631,7 +635,8 @@
           <a:p>
             <a:fld id="{EA9B4A94-C575-4826-8F09-4EE7E61740AA}" type="datetimeFigureOut">
               <a:rPr lang="en-US" smtClean="0"/>
-              <a:t>9/26/2019</a:t>
+              <a:pPr/>
+              <a:t>9/27/2019</a:t>
             </a:fld>
             <a:endParaRPr lang="en-US"/>
           </a:p>
@@ -673,6 +678,7 @@
           <a:p>
             <a:fld id="{95F062B8-84EB-44FB-890F-8DC151F95B1E}" type="slidenum">
               <a:rPr lang="en-US" smtClean="0"/>
+              <a:pPr/>
               <a:t>‹#›</a:t>
             </a:fld>
             <a:endParaRPr lang="en-US"/>
@@ -796,7 +802,8 @@
           <a:p>
             <a:fld id="{EA9B4A94-C575-4826-8F09-4EE7E61740AA}" type="datetimeFigureOut">
               <a:rPr lang="en-US" smtClean="0"/>
-              <a:t>9/26/2019</a:t>
+              <a:pPr/>
+              <a:t>9/27/2019</a:t>
             </a:fld>
             <a:endParaRPr lang="en-US"/>
           </a:p>
@@ -838,6 +845,7 @@
           <a:p>
             <a:fld id="{95F062B8-84EB-44FB-890F-8DC151F95B1E}" type="slidenum">
               <a:rPr lang="en-US" smtClean="0"/>
+              <a:pPr/>
               <a:t>‹#›</a:t>
             </a:fld>
             <a:endParaRPr lang="en-US"/>
@@ -1037,7 +1045,8 @@
           <a:p>
             <a:fld id="{EA9B4A94-C575-4826-8F09-4EE7E61740AA}" type="datetimeFigureOut">
               <a:rPr lang="en-US" smtClean="0"/>
-              <a:t>9/26/2019</a:t>
+              <a:pPr/>
+              <a:t>9/27/2019</a:t>
             </a:fld>
             <a:endParaRPr lang="en-US"/>
           </a:p>
@@ -1079,6 +1088,7 @@
           <a:p>
             <a:fld id="{95F062B8-84EB-44FB-890F-8DC151F95B1E}" type="slidenum">
               <a:rPr lang="en-US" smtClean="0"/>
+              <a:pPr/>
               <a:t>‹#›</a:t>
             </a:fld>
             <a:endParaRPr lang="en-US"/>
@@ -1320,7 +1330,8 @@
           <a:p>
             <a:fld id="{EA9B4A94-C575-4826-8F09-4EE7E61740AA}" type="datetimeFigureOut">
               <a:rPr lang="en-US" smtClean="0"/>
-              <a:t>9/26/2019</a:t>
+              <a:pPr/>
+              <a:t>9/27/2019</a:t>
             </a:fld>
             <a:endParaRPr lang="en-US"/>
           </a:p>
@@ -1362,6 +1373,7 @@
           <a:p>
             <a:fld id="{95F062B8-84EB-44FB-890F-8DC151F95B1E}" type="slidenum">
               <a:rPr lang="en-US" smtClean="0"/>
+              <a:pPr/>
               <a:t>‹#›</a:t>
             </a:fld>
             <a:endParaRPr lang="en-US"/>
@@ -1737,7 +1749,8 @@
           <a:p>
             <a:fld id="{EA9B4A94-C575-4826-8F09-4EE7E61740AA}" type="datetimeFigureOut">
               <a:rPr lang="en-US" smtClean="0"/>
-              <a:t>9/26/2019</a:t>
+              <a:pPr/>
+              <a:t>9/27/2019</a:t>
             </a:fld>
             <a:endParaRPr lang="en-US"/>
           </a:p>
@@ -1779,6 +1792,7 @@
           <a:p>
             <a:fld id="{95F062B8-84EB-44FB-890F-8DC151F95B1E}" type="slidenum">
               <a:rPr lang="en-US" smtClean="0"/>
+              <a:pPr/>
               <a:t>‹#›</a:t>
             </a:fld>
             <a:endParaRPr lang="en-US"/>
@@ -1850,7 +1864,8 @@
           <a:p>
             <a:fld id="{EA9B4A94-C575-4826-8F09-4EE7E61740AA}" type="datetimeFigureOut">
               <a:rPr lang="en-US" smtClean="0"/>
-              <a:t>9/26/2019</a:t>
+              <a:pPr/>
+              <a:t>9/27/2019</a:t>
             </a:fld>
             <a:endParaRPr lang="en-US"/>
           </a:p>
@@ -1892,6 +1907,7 @@
           <a:p>
             <a:fld id="{95F062B8-84EB-44FB-890F-8DC151F95B1E}" type="slidenum">
               <a:rPr lang="en-US" smtClean="0"/>
+              <a:pPr/>
               <a:t>‹#›</a:t>
             </a:fld>
             <a:endParaRPr lang="en-US"/>
@@ -1940,7 +1956,8 @@
           <a:p>
             <a:fld id="{EA9B4A94-C575-4826-8F09-4EE7E61740AA}" type="datetimeFigureOut">
               <a:rPr lang="en-US" smtClean="0"/>
-              <a:t>9/26/2019</a:t>
+              <a:pPr/>
+              <a:t>9/27/2019</a:t>
             </a:fld>
             <a:endParaRPr lang="en-US"/>
           </a:p>
@@ -1982,6 +1999,7 @@
           <a:p>
             <a:fld id="{95F062B8-84EB-44FB-890F-8DC151F95B1E}" type="slidenum">
               <a:rPr lang="en-US" smtClean="0"/>
+              <a:pPr/>
               <a:t>‹#›</a:t>
             </a:fld>
             <a:endParaRPr lang="en-US"/>
@@ -2212,7 +2230,8 @@
           <a:p>
             <a:fld id="{EA9B4A94-C575-4826-8F09-4EE7E61740AA}" type="datetimeFigureOut">
               <a:rPr lang="en-US" smtClean="0"/>
-              <a:t>9/26/2019</a:t>
+              <a:pPr/>
+              <a:t>9/27/2019</a:t>
             </a:fld>
             <a:endParaRPr lang="en-US"/>
           </a:p>
@@ -2254,6 +2273,7 @@
           <a:p>
             <a:fld id="{95F062B8-84EB-44FB-890F-8DC151F95B1E}" type="slidenum">
               <a:rPr lang="en-US" smtClean="0"/>
+              <a:pPr/>
               <a:t>‹#›</a:t>
             </a:fld>
             <a:endParaRPr lang="en-US"/>
@@ -2460,7 +2480,8 @@
           <a:p>
             <a:fld id="{EA9B4A94-C575-4826-8F09-4EE7E61740AA}" type="datetimeFigureOut">
               <a:rPr lang="en-US" smtClean="0"/>
-              <a:t>9/26/2019</a:t>
+              <a:pPr/>
+              <a:t>9/27/2019</a:t>
             </a:fld>
             <a:endParaRPr lang="en-US"/>
           </a:p>
@@ -2502,6 +2523,7 @@
           <a:p>
             <a:fld id="{95F062B8-84EB-44FB-890F-8DC151F95B1E}" type="slidenum">
               <a:rPr lang="en-US" smtClean="0"/>
+              <a:pPr/>
               <a:t>‹#›</a:t>
             </a:fld>
             <a:endParaRPr lang="en-US"/>
@@ -2668,7 +2690,8 @@
           <a:p>
             <a:fld id="{EA9B4A94-C575-4826-8F09-4EE7E61740AA}" type="datetimeFigureOut">
               <a:rPr lang="en-US" smtClean="0"/>
-              <a:t>9/26/2019</a:t>
+              <a:pPr/>
+              <a:t>9/27/2019</a:t>
             </a:fld>
             <a:endParaRPr lang="en-US"/>
           </a:p>
@@ -2746,6 +2769,7 @@
           <a:p>
             <a:fld id="{95F062B8-84EB-44FB-890F-8DC151F95B1E}" type="slidenum">
               <a:rPr lang="en-US" smtClean="0"/>
+              <a:pPr/>
               <a:t>‹#›</a:t>
             </a:fld>
             <a:endParaRPr lang="en-US"/>
@@ -3071,6 +3095,13 @@
   <p:clrMapOvr>
     <a:masterClrMapping/>
   </p:clrMapOvr>
+  <p:timing>
+    <p:tnLst>
+      <p:par>
+        <p:cTn id="1" dur="indefinite" restart="never" nodeType="tmRoot"/>
+      </p:par>
+    </p:tnLst>
+  </p:timing>
 </p:sld>
 </file>
 
@@ -3250,6 +3281,13 @@
   <p:clrMapOvr>
     <a:masterClrMapping/>
   </p:clrMapOvr>
+  <p:timing>
+    <p:tnLst>
+      <p:par>
+        <p:cTn id="1" dur="indefinite" restart="never" nodeType="tmRoot"/>
+      </p:par>
+    </p:tnLst>
+  </p:timing>
 </p:sld>
 </file>
 
@@ -3339,7 +3377,15 @@
           <a:p>
             <a:r>
               <a:rPr lang="en-US" b="1" dirty="0" smtClean="0"/>
-              <a:t>When even numbers of ELEMENT</a:t>
+              <a:t>When </a:t>
+            </a:r>
+            <a:r>
+              <a:rPr lang="en-US" b="1" dirty="0" smtClean="0"/>
+              <a:t>ODD </a:t>
+            </a:r>
+            <a:r>
+              <a:rPr lang="en-US" b="1" dirty="0" smtClean="0"/>
+              <a:t>numbers of ELEMENT</a:t>
             </a:r>
           </a:p>
           <a:p>
@@ -3425,8 +3471,16 @@
           </a:p>
           <a:p>
             <a:r>
+              <a:rPr lang="en-US" b="1" smtClean="0"/>
+              <a:t>When </a:t>
+            </a:r>
+            <a:r>
+              <a:rPr lang="en-US" b="1" smtClean="0"/>
+              <a:t>EVEN </a:t>
+            </a:r>
+            <a:r>
               <a:rPr lang="en-US" b="1" dirty="0" smtClean="0"/>
-              <a:t>When even numbers of ELEMENT</a:t>
+              <a:t>numbers of ELEMENT</a:t>
             </a:r>
           </a:p>
           <a:p>
@@ -3514,6 +3568,13 @@
   <p:clrMapOvr>
     <a:masterClrMapping/>
   </p:clrMapOvr>
+  <p:timing>
+    <p:tnLst>
+      <p:par>
+        <p:cTn id="1" dur="indefinite" restart="never" nodeType="tmRoot"/>
+      </p:par>
+    </p:tnLst>
+  </p:timing>
 </p:sld>
 </file>
 
@@ -3658,6 +3719,13 @@
   <p:clrMapOvr>
     <a:masterClrMapping/>
   </p:clrMapOvr>
+  <p:timing>
+    <p:tnLst>
+      <p:par>
+        <p:cTn id="1" dur="indefinite" restart="never" nodeType="tmRoot"/>
+      </p:par>
+    </p:tnLst>
+  </p:timing>
 </p:sld>
 </file>
 
